--- a/rifDatabase/RIF database.pptx
+++ b/rifDatabase/RIF database.pptx
@@ -5,7 +5,7 @@
     <p:sldMasterId id="2147483648" r:id="rId1"/>
   </p:sldMasterIdLst>
   <p:notesMasterIdLst>
-    <p:notesMasterId r:id="rId47"/>
+    <p:notesMasterId r:id="rId48"/>
   </p:notesMasterIdLst>
   <p:sldIdLst>
     <p:sldId id="256" r:id="rId2"/>
@@ -49,10 +49,11 @@
     <p:sldId id="300" r:id="rId40"/>
     <p:sldId id="301" r:id="rId41"/>
     <p:sldId id="302" r:id="rId42"/>
-    <p:sldId id="303" r:id="rId43"/>
-    <p:sldId id="304" r:id="rId44"/>
-    <p:sldId id="289" r:id="rId45"/>
-    <p:sldId id="282" r:id="rId46"/>
+    <p:sldId id="305" r:id="rId43"/>
+    <p:sldId id="303" r:id="rId44"/>
+    <p:sldId id="304" r:id="rId45"/>
+    <p:sldId id="289" r:id="rId46"/>
+    <p:sldId id="282" r:id="rId47"/>
   </p:sldIdLst>
   <p:sldSz cx="9144000" cy="6858000" type="screen4x3"/>
   <p:notesSz cx="6858000" cy="9144000"/>
@@ -3906,7 +3907,6 @@
               <a:rPr lang="en-GB" sz="2000" dirty="0" smtClean="0"/>
               <a:t>Example: 1</a:t>
             </a:r>
-            <a:endParaRPr lang="en-GB" sz="2000" dirty="0" smtClean="0"/>
           </a:p>
           <a:p>
             <a:endParaRPr lang="en-GB" sz="2000" dirty="0"/>
@@ -4168,7 +4168,6 @@
               <a:rPr lang="en-GB" sz="2000" dirty="0" smtClean="0"/>
               <a:t>Example: 1</a:t>
             </a:r>
-            <a:endParaRPr lang="en-GB" sz="2000" dirty="0" smtClean="0"/>
           </a:p>
           <a:p>
             <a:endParaRPr lang="en-GB" sz="2000" dirty="0"/>
@@ -5673,21 +5672,8 @@
             </a:r>
             <a:r>
               <a:rPr lang="en-GB" dirty="0" smtClean="0"/>
-              <a:t>+ </a:t>
-            </a:r>
-            <a:r>
-              <a:rPr lang="en-GB" dirty="0" smtClean="0"/>
-              <a:t>to describe </a:t>
-            </a:r>
-            <a:r>
-              <a:rPr lang="en-GB" dirty="0" smtClean="0"/>
-              <a:t>a relation with comments. Will display view text for a </a:t>
-            </a:r>
-            <a:r>
-              <a:rPr lang="en-GB" dirty="0" smtClean="0"/>
-              <a:t>view.</a:t>
-            </a:r>
-            <a:endParaRPr lang="en-GB" dirty="0" smtClean="0"/>
+              <a:t>+ to describe a relation with comments. Will display view text for a view.</a:t>
+            </a:r>
           </a:p>
           <a:p>
             <a:r>
@@ -5696,11 +5682,7 @@
             </a:r>
             <a:r>
               <a:rPr lang="en-GB" dirty="0" smtClean="0"/>
-              <a:t> </a:t>
-            </a:r>
-            <a:r>
-              <a:rPr lang="en-GB" dirty="0" smtClean="0"/>
-              <a:t>III. Graphical GUI. Can view SQL to </a:t>
+              <a:t> III. Graphical GUI. Can view SQL to </a:t>
             </a:r>
             <a:r>
               <a:rPr lang="en-GB" dirty="0" err="1" smtClean="0"/>
@@ -9868,15 +9850,7 @@
             </a:pPr>
             <a:r>
               <a:rPr lang="en-GB" dirty="0" smtClean="0"/>
-              <a:t>Defined in RIf40_TABLES, RIF40_COVARIATES, </a:t>
-            </a:r>
-            <a:r>
-              <a:rPr lang="en-GB" dirty="0" smtClean="0"/>
-              <a:t>RIF40_OUTCOMES; </a:t>
-            </a:r>
-            <a:r>
-              <a:rPr lang="en-GB" dirty="0" smtClean="0"/>
-              <a:t>E.g</a:t>
+              <a:t>Defined in RIf40_TABLES, RIF40_COVARIATES, RIF40_OUTCOMES; E.g</a:t>
             </a:r>
             <a:r>
               <a:rPr lang="en-GB" dirty="0"/>
@@ -11824,11 +11798,7 @@
           <a:p>
             <a:r>
               <a:rPr lang="en-GB" dirty="0" smtClean="0"/>
-              <a:t>Original </a:t>
-            </a:r>
-            <a:r>
-              <a:rPr lang="en-GB" dirty="0" smtClean="0"/>
-              <a:t>ESRI </a:t>
+              <a:t>Original ESRI </a:t>
             </a:r>
             <a:r>
               <a:rPr lang="en-GB" dirty="0" err="1" smtClean="0"/>
@@ -11836,11 +11806,7 @@
             </a:r>
             <a:r>
               <a:rPr lang="en-GB" dirty="0" smtClean="0"/>
-              <a:t> </a:t>
-            </a:r>
-            <a:r>
-              <a:rPr lang="en-GB" dirty="0" smtClean="0"/>
-              <a:t>data</a:t>
+              <a:t> data</a:t>
             </a:r>
           </a:p>
           <a:p>
@@ -12518,23 +12484,7 @@
           <a:p>
             <a:r>
               <a:rPr lang="en-GB" sz="9800" dirty="0" smtClean="0"/>
-              <a:t>A test on Oracle e</a:t>
-            </a:r>
-            <a:r>
-              <a:rPr lang="en-GB" sz="9800" dirty="0" smtClean="0"/>
-              <a:t>xtracted </a:t>
-            </a:r>
-            <a:r>
-              <a:rPr lang="en-GB" sz="9800" dirty="0" smtClean="0"/>
-              <a:t>20 health atlas </a:t>
-            </a:r>
-            <a:r>
-              <a:rPr lang="en-GB" sz="9800" dirty="0" smtClean="0"/>
-              <a:t>numerator health outcomes </a:t>
-            </a:r>
-            <a:r>
-              <a:rPr lang="en-GB" sz="9800" dirty="0" smtClean="0"/>
-              <a:t>in under 5 minutes!</a:t>
+              <a:t>A test on Oracle extracted 20 health atlas numerator health outcomes in under 5 minutes!</a:t>
             </a:r>
           </a:p>
           <a:p>
@@ -12705,7 +12655,6 @@
               <a:rPr lang="en-GB" dirty="0" smtClean="0"/>
               <a:t>Health study themes.</a:t>
             </a:r>
-            <a:endParaRPr lang="en-GB" dirty="0" smtClean="0"/>
           </a:p>
           <a:p>
             <a:endParaRPr lang="en-GB" dirty="0" smtClean="0"/>
@@ -13281,7 +13230,6 @@
               <a:rPr lang="en-GB" dirty="0" smtClean="0"/>
               <a:t>Postal population support</a:t>
             </a:r>
-            <a:endParaRPr lang="en-GB" dirty="0" smtClean="0"/>
           </a:p>
           <a:p>
             <a:endParaRPr lang="en-GB" dirty="0" smtClean="0"/>
@@ -13497,7 +13445,6 @@
               <a:rPr lang="en-GB" cap="all" dirty="0" smtClean="0"/>
               <a:t>t_rif40_sahsu_geometry, t_rif40_geolevels_geometry_sahsu_level1</a:t>
             </a:r>
-            <a:endParaRPr lang="en-GB" cap="all" dirty="0" smtClean="0"/>
           </a:p>
           <a:p>
             <a:endParaRPr lang="en-GB" dirty="0"/>
@@ -13584,63 +13531,99 @@
             <p:ph type="title"/>
           </p:nvPr>
         </p:nvSpPr>
-        <p:spPr>
-          <a:xfrm>
-            <a:off x="457200" y="274638"/>
-            <a:ext cx="8229600" cy="639762"/>
-          </a:xfrm>
-        </p:spPr>
+        <p:spPr/>
         <p:txBody>
           <a:bodyPr>
             <a:normAutofit fontScale="90000"/>
           </a:bodyPr>
           <a:lstStyle/>
           <a:p>
-            <a:pPr lvl="1" algn="ctr" rtl="0">
-              <a:spcBef>
-                <a:spcPct val="0"/>
-              </a:spcBef>
+            <a:r>
+              <a:rPr lang="en-GB" dirty="0"/>
+              <a:t>Differences between the V3.1 RIF and </a:t>
+            </a:r>
+            <a:r>
+              <a:rPr lang="en-GB" dirty="0" smtClean="0"/>
+              <a:t>V4.0</a:t>
+            </a:r>
+            <a:endParaRPr lang="en-GB" dirty="0"/>
+          </a:p>
+        </p:txBody>
+      </p:sp>
+      <p:sp>
+        <p:nvSpPr>
+          <p:cNvPr id="3" name="Content Placeholder 2"/>
+          <p:cNvSpPr>
+            <a:spLocks noGrp="1"/>
+          </p:cNvSpPr>
+          <p:nvPr>
+            <p:ph idx="1"/>
+          </p:nvPr>
+        </p:nvSpPr>
+        <p:spPr/>
+        <p:txBody>
+          <a:bodyPr>
+            <a:normAutofit/>
+          </a:bodyPr>
+          <a:lstStyle/>
+          <a:p>
+            <a:pPr marL="0" indent="0">
+              <a:buNone/>
             </a:pPr>
             <a:r>
-              <a:rPr lang="en-GB" cap="all" dirty="0" smtClean="0"/>
-              <a:t>t_rif40_geolevels_geometry_sahsu_level2</a:t>
-            </a:r>
-            <a:br>
-              <a:rPr lang="en-GB" cap="all" dirty="0" smtClean="0"/>
-            </a:br>
+              <a:rPr lang="en-GB" dirty="0" smtClean="0"/>
+              <a:t>RIF40_NUM_DENOM:</a:t>
+            </a:r>
+            <a:endParaRPr lang="en-GB" dirty="0" smtClean="0"/>
+          </a:p>
+          <a:p>
+            <a:r>
+              <a:rPr lang="en-GB" dirty="0" smtClean="0"/>
+              <a:t>Automatic numerator denominator support:</a:t>
+            </a:r>
+            <a:endParaRPr lang="en-GB" dirty="0" smtClean="0"/>
+          </a:p>
+          <a:p>
+            <a:pPr lvl="1"/>
+            <a:r>
+              <a:rPr lang="en-GB" dirty="0" smtClean="0"/>
+              <a:t>1 denominator/geography</a:t>
+            </a:r>
             <a:endParaRPr lang="en-GB" dirty="0"/>
           </a:p>
-        </p:txBody>
-      </p:sp>
-      <p:pic>
-        <p:nvPicPr>
-          <p:cNvPr id="5" name="Content Placeholder 4"/>
-          <p:cNvPicPr>
-            <a:picLocks noGrp="1" noChangeAspect="1"/>
-          </p:cNvPicPr>
-          <p:nvPr>
-            <p:ph idx="1"/>
-          </p:nvPr>
-        </p:nvPicPr>
-        <p:blipFill>
-          <a:blip r:embed="rId2">
-            <a:extLst>
-              <a:ext uri="{28A0092B-C50C-407E-A947-70E740481C1C}">
-                <a14:useLocalDpi xmlns:a14="http://schemas.microsoft.com/office/drawing/2010/main" val="0"/>
-              </a:ext>
-            </a:extLst>
-          </a:blip>
-          <a:stretch>
-            <a:fillRect/>
-          </a:stretch>
-        </p:blipFill>
-        <p:spPr>
-          <a:xfrm>
-            <a:off x="304800" y="742950"/>
-            <a:ext cx="8613140" cy="5383213"/>
-          </a:xfrm>
-        </p:spPr>
-      </p:pic>
+          <a:p>
+            <a:pPr lvl="1"/>
+            <a:r>
+              <a:rPr lang="en-GB" dirty="0" smtClean="0"/>
+              <a:t>Marked as automatic is RIF40_TABLES</a:t>
+            </a:r>
+          </a:p>
+          <a:p>
+            <a:pPr lvl="1"/>
+            <a:r>
+              <a:rPr lang="en-GB" dirty="0" smtClean="0"/>
+              <a:t>What you see is what you can access!</a:t>
+            </a:r>
+          </a:p>
+          <a:p>
+            <a:pPr lvl="1"/>
+            <a:r>
+              <a:rPr lang="en-GB" dirty="0" smtClean="0"/>
+              <a:t>RIF40_NUM_DENOM_ERRORS is supplied for debug purposes</a:t>
+            </a:r>
+            <a:endParaRPr lang="en-GB" dirty="0"/>
+          </a:p>
+          <a:p>
+            <a:pPr marL="0" indent="0">
+              <a:buNone/>
+            </a:pPr>
+            <a:endParaRPr lang="en-GB" dirty="0" smtClean="0"/>
+          </a:p>
+          <a:p>
+            <a:endParaRPr lang="en-GB" dirty="0"/>
+          </a:p>
+        </p:txBody>
+      </p:sp>
       <p:sp>
         <p:nvSpPr>
           <p:cNvPr id="4" name="Slide Number Placeholder 3"/>
@@ -13668,7 +13651,7 @@
     </p:spTree>
     <p:extLst>
       <p:ext uri="{BB962C8B-B14F-4D97-AF65-F5344CB8AC3E}">
-        <p14:creationId xmlns:p14="http://schemas.microsoft.com/office/powerpoint/2010/main" val="1766132338"/>
+        <p14:creationId xmlns:p14="http://schemas.microsoft.com/office/powerpoint/2010/main" val="894174538"/>
       </p:ext>
     </p:extLst>
   </p:cSld>
@@ -13731,7 +13714,7 @@
             </a:pPr>
             <a:r>
               <a:rPr lang="en-GB" cap="all" dirty="0" smtClean="0"/>
-              <a:t>t_rif40_sahsu_geometry</a:t>
+              <a:t>t_rif40_geolevels_geometry_sahsu_level2</a:t>
             </a:r>
             <a:br>
               <a:rPr lang="en-GB" cap="all" dirty="0" smtClean="0"/>
@@ -13740,6 +13723,35 @@
           </a:p>
         </p:txBody>
       </p:sp>
+      <p:pic>
+        <p:nvPicPr>
+          <p:cNvPr id="5" name="Content Placeholder 4"/>
+          <p:cNvPicPr>
+            <a:picLocks noGrp="1" noChangeAspect="1"/>
+          </p:cNvPicPr>
+          <p:nvPr>
+            <p:ph idx="1"/>
+          </p:nvPr>
+        </p:nvPicPr>
+        <p:blipFill>
+          <a:blip r:embed="rId2">
+            <a:extLst>
+              <a:ext uri="{28A0092B-C50C-407E-A947-70E740481C1C}">
+                <a14:useLocalDpi xmlns:a14="http://schemas.microsoft.com/office/drawing/2010/main" val="0"/>
+              </a:ext>
+            </a:extLst>
+          </a:blip>
+          <a:stretch>
+            <a:fillRect/>
+          </a:stretch>
+        </p:blipFill>
+        <p:spPr>
+          <a:xfrm>
+            <a:off x="304800" y="742950"/>
+            <a:ext cx="8613140" cy="5383213"/>
+          </a:xfrm>
+        </p:spPr>
+      </p:pic>
       <p:sp>
         <p:nvSpPr>
           <p:cNvPr id="4" name="Slide Number Placeholder 3"/>
@@ -13759,6 +13771,105 @@
               <a:rPr lang="en-US" smtClean="0"/>
               <a:pPr/>
               <a:t>43</a:t>
+            </a:fld>
+            <a:endParaRPr lang="en-US"/>
+          </a:p>
+        </p:txBody>
+      </p:sp>
+    </p:spTree>
+    <p:extLst>
+      <p:ext uri="{BB962C8B-B14F-4D97-AF65-F5344CB8AC3E}">
+        <p14:creationId xmlns:p14="http://schemas.microsoft.com/office/powerpoint/2010/main" val="1766132338"/>
+      </p:ext>
+    </p:extLst>
+  </p:cSld>
+  <p:clrMapOvr>
+    <a:masterClrMapping/>
+  </p:clrMapOvr>
+  <p:timing>
+    <p:tnLst>
+      <p:par>
+        <p:cTn id="1" dur="indefinite" restart="never" nodeType="tmRoot"/>
+      </p:par>
+    </p:tnLst>
+  </p:timing>
+</p:sld>
+</file>
+
+<file path=ppt/slides/slide44.xml><?xml version="1.0" encoding="utf-8"?>
+<p:sld xmlns:a="http://schemas.openxmlformats.org/drawingml/2006/main" xmlns:r="http://schemas.openxmlformats.org/officeDocument/2006/relationships" xmlns:p="http://schemas.openxmlformats.org/presentationml/2006/main">
+  <p:cSld>
+    <p:spTree>
+      <p:nvGrpSpPr>
+        <p:cNvPr id="1" name=""/>
+        <p:cNvGrpSpPr/>
+        <p:nvPr/>
+      </p:nvGrpSpPr>
+      <p:grpSpPr>
+        <a:xfrm>
+          <a:off x="0" y="0"/>
+          <a:ext cx="0" cy="0"/>
+          <a:chOff x="0" y="0"/>
+          <a:chExt cx="0" cy="0"/>
+        </a:xfrm>
+      </p:grpSpPr>
+      <p:sp>
+        <p:nvSpPr>
+          <p:cNvPr id="2" name="Title 1"/>
+          <p:cNvSpPr>
+            <a:spLocks noGrp="1"/>
+          </p:cNvSpPr>
+          <p:nvPr>
+            <p:ph type="title"/>
+          </p:nvPr>
+        </p:nvSpPr>
+        <p:spPr>
+          <a:xfrm>
+            <a:off x="457200" y="274638"/>
+            <a:ext cx="8229600" cy="639762"/>
+          </a:xfrm>
+        </p:spPr>
+        <p:txBody>
+          <a:bodyPr>
+            <a:normAutofit fontScale="90000"/>
+          </a:bodyPr>
+          <a:lstStyle/>
+          <a:p>
+            <a:pPr lvl="1" algn="ctr" rtl="0">
+              <a:spcBef>
+                <a:spcPct val="0"/>
+              </a:spcBef>
+            </a:pPr>
+            <a:r>
+              <a:rPr lang="en-GB" cap="all" dirty="0" smtClean="0"/>
+              <a:t>t_rif40_sahsu_geometry</a:t>
+            </a:r>
+            <a:br>
+              <a:rPr lang="en-GB" cap="all" dirty="0" smtClean="0"/>
+            </a:br>
+            <a:endParaRPr lang="en-GB" dirty="0"/>
+          </a:p>
+        </p:txBody>
+      </p:sp>
+      <p:sp>
+        <p:nvSpPr>
+          <p:cNvPr id="4" name="Slide Number Placeholder 3"/>
+          <p:cNvSpPr>
+            <a:spLocks noGrp="1"/>
+          </p:cNvSpPr>
+          <p:nvPr>
+            <p:ph type="sldNum" sz="quarter" idx="12"/>
+          </p:nvPr>
+        </p:nvSpPr>
+        <p:spPr/>
+        <p:txBody>
+          <a:bodyPr/>
+          <a:lstStyle/>
+          <a:p>
+            <a:fld id="{B6F15528-21DE-4FAA-801E-634DDDAF4B2B}" type="slidenum">
+              <a:rPr lang="en-US" smtClean="0"/>
+              <a:pPr/>
+              <a:t>44</a:t>
             </a:fld>
             <a:endParaRPr lang="en-US"/>
           </a:p>
@@ -13813,7 +13924,7 @@
 </p:sld>
 </file>
 
-<file path=ppt/slides/slide44.xml><?xml version="1.0" encoding="utf-8"?>
+<file path=ppt/slides/slide45.xml><?xml version="1.0" encoding="utf-8"?>
 <p:sld xmlns:a="http://schemas.openxmlformats.org/drawingml/2006/main" xmlns:r="http://schemas.openxmlformats.org/officeDocument/2006/relationships" xmlns:p="http://schemas.openxmlformats.org/presentationml/2006/main">
   <p:cSld>
     <p:spTree>
@@ -13949,7 +14060,7 @@
             <a:fld id="{B6F15528-21DE-4FAA-801E-634DDDAF4B2B}" type="slidenum">
               <a:rPr lang="en-US" smtClean="0"/>
               <a:pPr/>
-              <a:t>44</a:t>
+              <a:t>45</a:t>
             </a:fld>
             <a:endParaRPr lang="en-US"/>
           </a:p>
@@ -13975,7 +14086,7 @@
 </p:sld>
 </file>
 
-<file path=ppt/slides/slide45.xml><?xml version="1.0" encoding="utf-8"?>
+<file path=ppt/slides/slide46.xml><?xml version="1.0" encoding="utf-8"?>
 <p:sld xmlns:a="http://schemas.openxmlformats.org/drawingml/2006/main" xmlns:r="http://schemas.openxmlformats.org/officeDocument/2006/relationships" xmlns:p="http://schemas.openxmlformats.org/presentationml/2006/main">
   <p:cSld>
     <p:spTree>
@@ -14114,7 +14225,7 @@
             <a:fld id="{B6F15528-21DE-4FAA-801E-634DDDAF4B2B}" type="slidenum">
               <a:rPr lang="en-US" smtClean="0"/>
               <a:pPr/>
-              <a:t>45</a:t>
+              <a:t>46</a:t>
             </a:fld>
             <a:endParaRPr lang="en-US"/>
           </a:p>
@@ -14197,23 +14308,7 @@
           <a:p>
             <a:r>
               <a:rPr lang="en-GB" dirty="0" smtClean="0"/>
-              <a:t>Used to setup the RIF. Will be managed by the </a:t>
-            </a:r>
-            <a:r>
-              <a:rPr lang="en-GB" dirty="0" smtClean="0"/>
-              <a:t>RIF data </a:t>
-            </a:r>
-            <a:r>
-              <a:rPr lang="en-GB" dirty="0" smtClean="0"/>
-              <a:t>loading </a:t>
-            </a:r>
-            <a:r>
-              <a:rPr lang="en-GB" dirty="0" smtClean="0"/>
-              <a:t>tool. </a:t>
-            </a:r>
-            <a:r>
-              <a:rPr lang="en-GB" dirty="0" smtClean="0"/>
-              <a:t>Currently setup manually with the </a:t>
+              <a:t>Used to setup the RIF. Will be managed by the RIF data loading tool. Currently setup manually with the </a:t>
             </a:r>
             <a:r>
               <a:rPr lang="en-GB" dirty="0" err="1" smtClean="0"/>
@@ -14227,15 +14322,7 @@
           <a:p>
             <a:r>
               <a:rPr lang="en-GB" dirty="0" smtClean="0"/>
-              <a:t>Generally follows the same convention as V3.1 RIF with </a:t>
-            </a:r>
-            <a:r>
-              <a:rPr lang="en-GB" dirty="0" smtClean="0"/>
-              <a:t>RIF40_ </a:t>
-            </a:r>
-            <a:r>
-              <a:rPr lang="en-GB" dirty="0" smtClean="0"/>
-              <a:t>on the front.</a:t>
+              <a:t>Generally follows the same convention as V3.1 RIF with RIF40_ on the front.</a:t>
             </a:r>
           </a:p>
           <a:p>
@@ -14626,7 +14713,6 @@
               <a:rPr lang="en-GB" sz="2000" dirty="0" smtClean="0"/>
               <a:t>Example: 1</a:t>
             </a:r>
-            <a:endParaRPr lang="en-GB" sz="2000" dirty="0" smtClean="0"/>
           </a:p>
           <a:p>
             <a:endParaRPr lang="en-GB" sz="2000" dirty="0"/>
@@ -14804,7 +14890,6 @@
               <a:rPr lang="en-GB" sz="2000" dirty="0" smtClean="0"/>
               <a:t>Example: 1</a:t>
             </a:r>
-            <a:endParaRPr lang="en-GB" sz="2000" dirty="0" smtClean="0"/>
           </a:p>
           <a:p>
             <a:endParaRPr lang="en-GB" sz="2000" dirty="0"/>
@@ -15066,7 +15151,6 @@
               <a:rPr lang="en-GB" sz="2000" dirty="0" smtClean="0"/>
               <a:t>Example: 1</a:t>
             </a:r>
-            <a:endParaRPr lang="en-GB" sz="2000" dirty="0" smtClean="0"/>
           </a:p>
           <a:p>
             <a:endParaRPr lang="en-GB" sz="2000" dirty="0"/>
